--- a/Presentation/Training.pptx
+++ b/Presentation/Training.pptx
@@ -5,7 +5,7 @@
     <p:sldMasterId id="2147483648" r:id="rId1"/>
   </p:sldMasterIdLst>
   <p:notesMasterIdLst>
-    <p:notesMasterId r:id="rId11"/>
+    <p:notesMasterId r:id="rId16"/>
   </p:notesMasterIdLst>
   <p:sldIdLst>
     <p:sldId id="256" r:id="rId2"/>
@@ -13,10 +13,15 @@
     <p:sldId id="258" r:id="rId4"/>
     <p:sldId id="259" r:id="rId5"/>
     <p:sldId id="260" r:id="rId6"/>
-    <p:sldId id="261" r:id="rId7"/>
-    <p:sldId id="262" r:id="rId8"/>
-    <p:sldId id="263" r:id="rId9"/>
-    <p:sldId id="264" r:id="rId10"/>
+    <p:sldId id="267" r:id="rId7"/>
+    <p:sldId id="261" r:id="rId8"/>
+    <p:sldId id="262" r:id="rId9"/>
+    <p:sldId id="263" r:id="rId10"/>
+    <p:sldId id="264" r:id="rId11"/>
+    <p:sldId id="266" r:id="rId12"/>
+    <p:sldId id="268" r:id="rId13"/>
+    <p:sldId id="269" r:id="rId14"/>
+    <p:sldId id="270" r:id="rId15"/>
   </p:sldIdLst>
   <p:sldSz cx="9144000" cy="6858000" type="screen4x3"/>
   <p:notesSz cx="6858000" cy="9144000"/>
@@ -216,7 +221,7 @@
           <a:p>
             <a:fld id="{37B510A8-517B-7445-91CB-0FA59D5381A9}" type="datetimeFigureOut">
               <a:rPr lang="en-US" smtClean="0"/>
-              <a:t>3/12/17</a:t>
+              <a:t>3/13/17</a:t>
             </a:fld>
             <a:endParaRPr lang="en-US"/>
           </a:p>
@@ -796,7 +801,7 @@
           <a:p>
             <a:fld id="{D46F7C92-B666-BE4A-87BA-E45BF689715D}" type="datetimeFigureOut">
               <a:rPr lang="en-US" smtClean="0"/>
-              <a:t>3/12/17</a:t>
+              <a:t>3/13/17</a:t>
             </a:fld>
             <a:endParaRPr lang="en-US"/>
           </a:p>
@@ -1000,7 +1005,7 @@
           <a:p>
             <a:fld id="{D46F7C92-B666-BE4A-87BA-E45BF689715D}" type="datetimeFigureOut">
               <a:rPr lang="en-US" smtClean="0"/>
-              <a:t>3/12/17</a:t>
+              <a:t>3/13/17</a:t>
             </a:fld>
             <a:endParaRPr lang="en-US"/>
           </a:p>
@@ -1402,7 +1407,7 @@
           <a:p>
             <a:fld id="{D46F7C92-B666-BE4A-87BA-E45BF689715D}" type="datetimeFigureOut">
               <a:rPr lang="en-US" smtClean="0"/>
-              <a:t>3/12/17</a:t>
+              <a:t>3/13/17</a:t>
             </a:fld>
             <a:endParaRPr lang="en-US"/>
           </a:p>
@@ -1683,7 +1688,7 @@
           <a:p>
             <a:fld id="{D46F7C92-B666-BE4A-87BA-E45BF689715D}" type="datetimeFigureOut">
               <a:rPr lang="en-US" smtClean="0"/>
-              <a:t>3/12/17</a:t>
+              <a:t>3/13/17</a:t>
             </a:fld>
             <a:endParaRPr lang="en-US"/>
           </a:p>
@@ -2129,7 +2134,7 @@
           <a:p>
             <a:fld id="{D46F7C92-B666-BE4A-87BA-E45BF689715D}" type="datetimeFigureOut">
               <a:rPr lang="en-US" smtClean="0"/>
-              <a:t>3/12/17</a:t>
+              <a:t>3/13/17</a:t>
             </a:fld>
             <a:endParaRPr lang="en-US"/>
           </a:p>
@@ -2271,7 +2276,7 @@
           <a:p>
             <a:fld id="{D46F7C92-B666-BE4A-87BA-E45BF689715D}" type="datetimeFigureOut">
               <a:rPr lang="en-US" smtClean="0"/>
-              <a:t>3/12/17</a:t>
+              <a:t>3/13/17</a:t>
             </a:fld>
             <a:endParaRPr lang="en-US"/>
           </a:p>
@@ -2390,7 +2395,7 @@
           <a:p>
             <a:fld id="{D46F7C92-B666-BE4A-87BA-E45BF689715D}" type="datetimeFigureOut">
               <a:rPr lang="en-US" smtClean="0"/>
-              <a:t>3/12/17</a:t>
+              <a:t>3/13/17</a:t>
             </a:fld>
             <a:endParaRPr lang="en-US"/>
           </a:p>
@@ -2691,7 +2696,7 @@
           <a:p>
             <a:fld id="{D46F7C92-B666-BE4A-87BA-E45BF689715D}" type="datetimeFigureOut">
               <a:rPr lang="en-US" smtClean="0"/>
-              <a:t>3/12/17</a:t>
+              <a:t>3/13/17</a:t>
             </a:fld>
             <a:endParaRPr lang="en-US"/>
           </a:p>
@@ -2968,7 +2973,7 @@
           <a:p>
             <a:fld id="{D46F7C92-B666-BE4A-87BA-E45BF689715D}" type="datetimeFigureOut">
               <a:rPr lang="en-US" smtClean="0"/>
-              <a:t>3/12/17</a:t>
+              <a:t>3/13/17</a:t>
             </a:fld>
             <a:endParaRPr lang="en-US"/>
           </a:p>
@@ -3519,11 +3524,7 @@
             </a:r>
             <a:r>
               <a:rPr lang="en-US" dirty="0" smtClean="0"/>
-              <a:t> WCSQ </a:t>
-            </a:r>
-            <a:r>
-              <a:rPr lang="en-US" dirty="0" smtClean="0"/>
-              <a:t>Lima, </a:t>
+              <a:t> WCSQ Lima, </a:t>
             </a:r>
             <a:r>
               <a:rPr lang="en-US" dirty="0" err="1" smtClean="0"/>
@@ -3541,6 +3542,375 @@
     <p:extLst>
       <p:ext uri="{BB962C8B-B14F-4D97-AF65-F5344CB8AC3E}">
         <p14:creationId xmlns:p14="http://schemas.microsoft.com/office/powerpoint/2010/main" val="37764395"/>
+      </p:ext>
+    </p:extLst>
+  </p:cSld>
+  <p:clrMapOvr>
+    <a:masterClrMapping/>
+  </p:clrMapOvr>
+</p:sld>
+</file>
+
+<file path=ppt/slides/slide10.xml><?xml version="1.0" encoding="utf-8"?>
+<p:sld xmlns:a="http://schemas.openxmlformats.org/drawingml/2006/main" xmlns:r="http://schemas.openxmlformats.org/officeDocument/2006/relationships" xmlns:p="http://schemas.openxmlformats.org/presentationml/2006/main">
+  <p:cSld>
+    <p:spTree>
+      <p:nvGrpSpPr>
+        <p:cNvPr id="1" name=""/>
+        <p:cNvGrpSpPr/>
+        <p:nvPr/>
+      </p:nvGrpSpPr>
+      <p:grpSpPr>
+        <a:xfrm>
+          <a:off x="0" y="0"/>
+          <a:ext cx="0" cy="0"/>
+          <a:chOff x="0" y="0"/>
+          <a:chExt cx="0" cy="0"/>
+        </a:xfrm>
+      </p:grpSpPr>
+      <p:sp>
+        <p:nvSpPr>
+          <p:cNvPr id="4" name="Title 3"/>
+          <p:cNvSpPr>
+            <a:spLocks noGrp="1"/>
+          </p:cNvSpPr>
+          <p:nvPr>
+            <p:ph type="title"/>
+          </p:nvPr>
+        </p:nvSpPr>
+        <p:spPr/>
+        <p:txBody>
+          <a:bodyPr/>
+          <a:lstStyle/>
+          <a:p>
+            <a:r>
+              <a:rPr lang="en-US" dirty="0" smtClean="0"/>
+              <a:t>HTTP Status Codes</a:t>
+            </a:r>
+            <a:endParaRPr lang="en-US" dirty="0"/>
+          </a:p>
+        </p:txBody>
+      </p:sp>
+      <p:pic>
+        <p:nvPicPr>
+          <p:cNvPr id="3" name="Picture 2"/>
+          <p:cNvPicPr>
+            <a:picLocks noChangeAspect="1"/>
+          </p:cNvPicPr>
+          <p:nvPr/>
+        </p:nvPicPr>
+        <p:blipFill>
+          <a:blip r:embed="rId2">
+            <a:extLst>
+              <a:ext uri="{28A0092B-C50C-407E-A947-70E740481C1C}">
+                <a14:useLocalDpi xmlns:a14="http://schemas.microsoft.com/office/drawing/2010/main" val="0"/>
+              </a:ext>
+            </a:extLst>
+          </a:blip>
+          <a:stretch>
+            <a:fillRect/>
+          </a:stretch>
+        </p:blipFill>
+        <p:spPr>
+          <a:xfrm>
+            <a:off x="0" y="2324100"/>
+            <a:ext cx="9144000" cy="2203260"/>
+          </a:xfrm>
+          <a:prstGeom prst="rect">
+            <a:avLst/>
+          </a:prstGeom>
+        </p:spPr>
+      </p:pic>
+    </p:spTree>
+    <p:extLst>
+      <p:ext uri="{BB962C8B-B14F-4D97-AF65-F5344CB8AC3E}">
+        <p14:creationId xmlns:p14="http://schemas.microsoft.com/office/powerpoint/2010/main" val="572030903"/>
+      </p:ext>
+    </p:extLst>
+  </p:cSld>
+  <p:clrMapOvr>
+    <a:masterClrMapping/>
+  </p:clrMapOvr>
+</p:sld>
+</file>
+
+<file path=ppt/slides/slide11.xml><?xml version="1.0" encoding="utf-8"?>
+<p:sld xmlns:a="http://schemas.openxmlformats.org/drawingml/2006/main" xmlns:r="http://schemas.openxmlformats.org/officeDocument/2006/relationships" xmlns:p="http://schemas.openxmlformats.org/presentationml/2006/main">
+  <p:cSld>
+    <p:spTree>
+      <p:nvGrpSpPr>
+        <p:cNvPr id="1" name=""/>
+        <p:cNvGrpSpPr/>
+        <p:nvPr/>
+      </p:nvGrpSpPr>
+      <p:grpSpPr>
+        <a:xfrm>
+          <a:off x="0" y="0"/>
+          <a:ext cx="0" cy="0"/>
+          <a:chOff x="0" y="0"/>
+          <a:chExt cx="0" cy="0"/>
+        </a:xfrm>
+      </p:grpSpPr>
+      <p:pic>
+        <p:nvPicPr>
+          <p:cNvPr id="2" name="Picture 1"/>
+          <p:cNvPicPr>
+            <a:picLocks noChangeAspect="1"/>
+          </p:cNvPicPr>
+          <p:nvPr/>
+        </p:nvPicPr>
+        <p:blipFill>
+          <a:blip r:embed="rId2">
+            <a:extLst>
+              <a:ext uri="{28A0092B-C50C-407E-A947-70E740481C1C}">
+                <a14:useLocalDpi xmlns:a14="http://schemas.microsoft.com/office/drawing/2010/main" val="0"/>
+              </a:ext>
+            </a:extLst>
+          </a:blip>
+          <a:stretch>
+            <a:fillRect/>
+          </a:stretch>
+        </p:blipFill>
+        <p:spPr>
+          <a:xfrm>
+            <a:off x="2728913" y="567189"/>
+            <a:ext cx="3871912" cy="4835074"/>
+          </a:xfrm>
+          <a:prstGeom prst="rect">
+            <a:avLst/>
+          </a:prstGeom>
+        </p:spPr>
+      </p:pic>
+    </p:spTree>
+    <p:extLst>
+      <p:ext uri="{BB962C8B-B14F-4D97-AF65-F5344CB8AC3E}">
+        <p14:creationId xmlns:p14="http://schemas.microsoft.com/office/powerpoint/2010/main" val="1022455632"/>
+      </p:ext>
+    </p:extLst>
+  </p:cSld>
+  <p:clrMapOvr>
+    <a:masterClrMapping/>
+  </p:clrMapOvr>
+</p:sld>
+</file>
+
+<file path=ppt/slides/slide12.xml><?xml version="1.0" encoding="utf-8"?>
+<p:sld xmlns:a="http://schemas.openxmlformats.org/drawingml/2006/main" xmlns:r="http://schemas.openxmlformats.org/officeDocument/2006/relationships" xmlns:p="http://schemas.openxmlformats.org/presentationml/2006/main">
+  <p:cSld>
+    <p:spTree>
+      <p:nvGrpSpPr>
+        <p:cNvPr id="1" name=""/>
+        <p:cNvGrpSpPr/>
+        <p:nvPr/>
+      </p:nvGrpSpPr>
+      <p:grpSpPr>
+        <a:xfrm>
+          <a:off x="0" y="0"/>
+          <a:ext cx="0" cy="0"/>
+          <a:chOff x="0" y="0"/>
+          <a:chExt cx="0" cy="0"/>
+        </a:xfrm>
+      </p:grpSpPr>
+      <p:sp>
+        <p:nvSpPr>
+          <p:cNvPr id="2" name="Title 1"/>
+          <p:cNvSpPr>
+            <a:spLocks noGrp="1"/>
+          </p:cNvSpPr>
+          <p:nvPr>
+            <p:ph type="title"/>
+          </p:nvPr>
+        </p:nvSpPr>
+        <p:spPr/>
+        <p:txBody>
+          <a:bodyPr/>
+          <a:lstStyle/>
+          <a:p>
+            <a:r>
+              <a:rPr lang="en-US" dirty="0" smtClean="0"/>
+              <a:t>State Management with Cookies</a:t>
+            </a:r>
+            <a:endParaRPr lang="en-US" dirty="0"/>
+          </a:p>
+        </p:txBody>
+      </p:sp>
+      <p:sp>
+        <p:nvSpPr>
+          <p:cNvPr id="3" name="Content Placeholder 2"/>
+          <p:cNvSpPr>
+            <a:spLocks noGrp="1"/>
+          </p:cNvSpPr>
+          <p:nvPr>
+            <p:ph idx="1"/>
+          </p:nvPr>
+        </p:nvSpPr>
+        <p:spPr/>
+        <p:txBody>
+          <a:bodyPr/>
+          <a:lstStyle/>
+          <a:p>
+            <a:endParaRPr lang="en-US"/>
+          </a:p>
+        </p:txBody>
+      </p:sp>
+    </p:spTree>
+    <p:extLst>
+      <p:ext uri="{BB962C8B-B14F-4D97-AF65-F5344CB8AC3E}">
+        <p14:creationId xmlns:p14="http://schemas.microsoft.com/office/powerpoint/2010/main" val="656818144"/>
+      </p:ext>
+    </p:extLst>
+  </p:cSld>
+  <p:clrMapOvr>
+    <a:masterClrMapping/>
+  </p:clrMapOvr>
+</p:sld>
+</file>
+
+<file path=ppt/slides/slide13.xml><?xml version="1.0" encoding="utf-8"?>
+<p:sld xmlns:a="http://schemas.openxmlformats.org/drawingml/2006/main" xmlns:r="http://schemas.openxmlformats.org/officeDocument/2006/relationships" xmlns:p="http://schemas.openxmlformats.org/presentationml/2006/main">
+  <p:cSld>
+    <p:spTree>
+      <p:nvGrpSpPr>
+        <p:cNvPr id="1" name=""/>
+        <p:cNvGrpSpPr/>
+        <p:nvPr/>
+      </p:nvGrpSpPr>
+      <p:grpSpPr>
+        <a:xfrm>
+          <a:off x="0" y="0"/>
+          <a:ext cx="0" cy="0"/>
+          <a:chOff x="0" y="0"/>
+          <a:chExt cx="0" cy="0"/>
+        </a:xfrm>
+      </p:grpSpPr>
+      <p:sp>
+        <p:nvSpPr>
+          <p:cNvPr id="4" name="Title 3"/>
+          <p:cNvSpPr>
+            <a:spLocks noGrp="1"/>
+          </p:cNvSpPr>
+          <p:nvPr>
+            <p:ph type="title"/>
+          </p:nvPr>
+        </p:nvSpPr>
+        <p:spPr/>
+        <p:txBody>
+          <a:bodyPr/>
+          <a:lstStyle/>
+          <a:p>
+            <a:r>
+              <a:rPr lang="en-US" dirty="0" smtClean="0"/>
+              <a:t>Web </a:t>
+            </a:r>
+            <a:r>
+              <a:rPr lang="en-US" dirty="0" err="1" smtClean="0"/>
+              <a:t>aPPLICATION</a:t>
+            </a:r>
+            <a:r>
+              <a:rPr lang="en-US" dirty="0" smtClean="0"/>
+              <a:t> (IN)Security</a:t>
+            </a:r>
+            <a:endParaRPr lang="en-US" dirty="0"/>
+          </a:p>
+        </p:txBody>
+      </p:sp>
+      <p:sp>
+        <p:nvSpPr>
+          <p:cNvPr id="5" name="Text Placeholder 4"/>
+          <p:cNvSpPr>
+            <a:spLocks noGrp="1"/>
+          </p:cNvSpPr>
+          <p:nvPr>
+            <p:ph type="body" idx="1"/>
+          </p:nvPr>
+        </p:nvSpPr>
+        <p:spPr/>
+        <p:txBody>
+          <a:bodyPr/>
+          <a:lstStyle/>
+          <a:p>
+            <a:endParaRPr lang="en-US" dirty="0"/>
+          </a:p>
+        </p:txBody>
+      </p:sp>
+    </p:spTree>
+    <p:extLst>
+      <p:ext uri="{BB962C8B-B14F-4D97-AF65-F5344CB8AC3E}">
+        <p14:creationId xmlns:p14="http://schemas.microsoft.com/office/powerpoint/2010/main" val="774242471"/>
+      </p:ext>
+    </p:extLst>
+  </p:cSld>
+  <p:clrMapOvr>
+    <a:masterClrMapping/>
+  </p:clrMapOvr>
+</p:sld>
+</file>
+
+<file path=ppt/slides/slide14.xml><?xml version="1.0" encoding="utf-8"?>
+<p:sld xmlns:a="http://schemas.openxmlformats.org/drawingml/2006/main" xmlns:r="http://schemas.openxmlformats.org/officeDocument/2006/relationships" xmlns:p="http://schemas.openxmlformats.org/presentationml/2006/main">
+  <p:cSld>
+    <p:spTree>
+      <p:nvGrpSpPr>
+        <p:cNvPr id="1" name=""/>
+        <p:cNvGrpSpPr/>
+        <p:nvPr/>
+      </p:nvGrpSpPr>
+      <p:grpSpPr>
+        <a:xfrm>
+          <a:off x="0" y="0"/>
+          <a:ext cx="0" cy="0"/>
+          <a:chOff x="0" y="0"/>
+          <a:chExt cx="0" cy="0"/>
+        </a:xfrm>
+      </p:grpSpPr>
+      <p:sp>
+        <p:nvSpPr>
+          <p:cNvPr id="4" name="Title 3"/>
+          <p:cNvSpPr>
+            <a:spLocks noGrp="1"/>
+          </p:cNvSpPr>
+          <p:nvPr>
+            <p:ph type="title"/>
+          </p:nvPr>
+        </p:nvSpPr>
+        <p:spPr/>
+        <p:txBody>
+          <a:bodyPr>
+            <a:normAutofit fontScale="90000"/>
+          </a:bodyPr>
+          <a:lstStyle/>
+          <a:p>
+            <a:r>
+              <a:rPr lang="en-US" smtClean="0"/>
+              <a:t>Core Problem : Input Data Validation</a:t>
+            </a:r>
+            <a:endParaRPr lang="en-US"/>
+          </a:p>
+        </p:txBody>
+      </p:sp>
+      <p:sp>
+        <p:nvSpPr>
+          <p:cNvPr id="5" name="Content Placeholder 4"/>
+          <p:cNvSpPr>
+            <a:spLocks noGrp="1"/>
+          </p:cNvSpPr>
+          <p:nvPr>
+            <p:ph idx="1"/>
+          </p:nvPr>
+        </p:nvSpPr>
+        <p:spPr/>
+        <p:txBody>
+          <a:bodyPr/>
+          <a:lstStyle/>
+          <a:p>
+            <a:endParaRPr lang="en-US"/>
+          </a:p>
+        </p:txBody>
+      </p:sp>
+    </p:spTree>
+    <p:extLst>
+      <p:ext uri="{BB962C8B-B14F-4D97-AF65-F5344CB8AC3E}">
+        <p14:creationId xmlns:p14="http://schemas.microsoft.com/office/powerpoint/2010/main" val="1943795691"/>
       </p:ext>
     </p:extLst>
   </p:cSld>
@@ -3628,7 +3998,11 @@
           <a:bodyPr/>
           <a:lstStyle/>
           <a:p>
-            <a:endParaRPr lang="en-US"/>
+            <a:r>
+              <a:rPr lang="en-US" dirty="0" smtClean="0"/>
+              <a:t>John Vargas</a:t>
+            </a:r>
+            <a:endParaRPr lang="en-US" dirty="0"/>
           </a:p>
         </p:txBody>
       </p:sp>
@@ -3782,8 +4156,8 @@
               <a:t>Overview of HTTP Protocol and web </a:t>
             </a:r>
             <a:r>
-              <a:rPr lang="en-US" dirty="0" err="1" smtClean="0"/>
-              <a:t>tECHNOLOGIES</a:t>
+              <a:rPr lang="en-US" dirty="0" smtClean="0"/>
+              <a:t>technologies</a:t>
             </a:r>
             <a:endParaRPr lang="en-US" dirty="0"/>
           </a:p>
@@ -3942,7 +4316,7 @@
       </p:grpSpPr>
       <p:sp>
         <p:nvSpPr>
-          <p:cNvPr id="4" name="Title 3"/>
+          <p:cNvPr id="2" name="Title 1"/>
           <p:cNvSpPr>
             <a:spLocks noGrp="1"/>
           </p:cNvSpPr>
@@ -3952,107 +4326,100 @@
         </p:nvSpPr>
         <p:spPr/>
         <p:txBody>
-          <a:bodyPr/>
-          <a:lstStyle/>
-          <a:p>
-            <a:r>
-              <a:rPr lang="en-US" dirty="0" smtClean="0"/>
-              <a:t>HTTP Request</a:t>
-            </a:r>
-            <a:endParaRPr lang="en-US" dirty="0"/>
-          </a:p>
-        </p:txBody>
-      </p:sp>
-      <p:sp>
-        <p:nvSpPr>
-          <p:cNvPr id="5" name="Content Placeholder 4"/>
-          <p:cNvSpPr>
-            <a:spLocks noGrp="1"/>
-          </p:cNvSpPr>
+          <a:bodyPr>
+            <a:normAutofit/>
+          </a:bodyPr>
+          <a:lstStyle/>
+          <a:p>
+            <a:r>
+              <a:rPr lang="en-US" dirty="0"/>
+              <a:t>URL, URN, URI: Oh My!</a:t>
+            </a:r>
+          </a:p>
+        </p:txBody>
+      </p:sp>
+      <p:sp>
+        <p:nvSpPr>
+          <p:cNvPr id="4" name="TextBox 3"/>
+          <p:cNvSpPr txBox="1"/>
+          <p:nvPr/>
+        </p:nvSpPr>
+        <p:spPr>
+          <a:xfrm>
+            <a:off x="0" y="5700708"/>
+            <a:ext cx="6185796" cy="307777"/>
+          </a:xfrm>
+          <a:prstGeom prst="rect">
+            <a:avLst/>
+          </a:prstGeom>
+          <a:noFill/>
+        </p:spPr>
+        <p:txBody>
+          <a:bodyPr wrap="none" rtlCol="0">
+            <a:spAutoFit/>
+          </a:bodyPr>
+          <a:lstStyle/>
+          <a:p>
+            <a:r>
+              <a:rPr lang="en-US" sz="1400" b="1" dirty="0"/>
+              <a:t>Image </a:t>
+            </a:r>
+            <a:r>
+              <a:rPr lang="en-US" sz="1400" b="1"/>
+              <a:t>taken </a:t>
+            </a:r>
+            <a:r>
+              <a:rPr lang="en-US" sz="1400" b="1" smtClean="0"/>
+              <a:t>from: </a:t>
+            </a:r>
+            <a:r>
+              <a:rPr lang="en-US" sz="1400" b="1" dirty="0"/>
+              <a:t>http://</a:t>
+            </a:r>
+            <a:r>
+              <a:rPr lang="en-US" sz="1400" b="1" dirty="0" err="1"/>
+              <a:t>webtechsharing.com</a:t>
+            </a:r>
+            <a:r>
+              <a:rPr lang="en-US" sz="1400" b="1" dirty="0"/>
+              <a:t>/http-web-developer-must-know/</a:t>
+            </a:r>
+          </a:p>
+        </p:txBody>
+      </p:sp>
+      <p:pic>
+        <p:nvPicPr>
+          <p:cNvPr id="7" name="Content Placeholder 6"/>
+          <p:cNvPicPr>
+            <a:picLocks noGrp="1" noChangeAspect="1"/>
+          </p:cNvPicPr>
           <p:nvPr>
             <p:ph idx="1"/>
           </p:nvPr>
-        </p:nvSpPr>
-        <p:spPr/>
-        <p:txBody>
-          <a:bodyPr>
-            <a:normAutofit fontScale="92500" lnSpcReduction="20000"/>
-          </a:bodyPr>
-          <a:lstStyle/>
-          <a:p>
-            <a:r>
-              <a:rPr lang="en-US" dirty="0" smtClean="0"/>
-              <a:t>HTTP request consist of three items separated by spaces:</a:t>
-            </a:r>
-          </a:p>
-          <a:p>
-            <a:pPr lvl="1"/>
-            <a:r>
-              <a:rPr lang="en-US" dirty="0" smtClean="0"/>
-              <a:t>HTTP Verb : Indicates the HTTP Method.</a:t>
-            </a:r>
-          </a:p>
-          <a:p>
-            <a:pPr lvl="1"/>
-            <a:r>
-              <a:rPr lang="en-US" dirty="0" smtClean="0"/>
-              <a:t>Requested URL : URL is the name of the resource being requested.</a:t>
-            </a:r>
-          </a:p>
-          <a:p>
-            <a:pPr lvl="1"/>
-            <a:r>
-              <a:rPr lang="en-US" dirty="0" smtClean="0"/>
-              <a:t>HTTP version being used.</a:t>
-            </a:r>
-          </a:p>
-          <a:p>
-            <a:pPr lvl="1"/>
-            <a:r>
-              <a:rPr lang="en-US" dirty="0" smtClean="0"/>
-              <a:t>HTTP Headers:</a:t>
-            </a:r>
-          </a:p>
-          <a:p>
-            <a:pPr lvl="2"/>
-            <a:r>
-              <a:rPr lang="en-US" dirty="0" err="1" smtClean="0"/>
-              <a:t>Referer</a:t>
-            </a:r>
-            <a:endParaRPr lang="en-US" dirty="0" smtClean="0"/>
-          </a:p>
-          <a:p>
-            <a:pPr lvl="2"/>
-            <a:r>
-              <a:rPr lang="en-US" dirty="0" smtClean="0"/>
-              <a:t>User-Agent</a:t>
-            </a:r>
-          </a:p>
-          <a:p>
-            <a:pPr lvl="2"/>
-            <a:r>
-              <a:rPr lang="en-US" dirty="0" smtClean="0"/>
-              <a:t>Host</a:t>
-            </a:r>
-          </a:p>
-          <a:p>
-            <a:pPr lvl="2"/>
-            <a:r>
-              <a:rPr lang="en-US" dirty="0" err="1" smtClean="0"/>
-              <a:t>Cokies</a:t>
-            </a:r>
-            <a:r>
-              <a:rPr lang="en-US" dirty="0" smtClean="0"/>
-              <a:t>.</a:t>
-            </a:r>
-            <a:endParaRPr lang="en-US" dirty="0"/>
-          </a:p>
-        </p:txBody>
-      </p:sp>
+        </p:nvPicPr>
+        <p:blipFill>
+          <a:blip r:embed="rId2">
+            <a:extLst>
+              <a:ext uri="{28A0092B-C50C-407E-A947-70E740481C1C}">
+                <a14:useLocalDpi xmlns:a14="http://schemas.microsoft.com/office/drawing/2010/main" val="0"/>
+              </a:ext>
+            </a:extLst>
+          </a:blip>
+          <a:stretch>
+            <a:fillRect/>
+          </a:stretch>
+        </p:blipFill>
+        <p:spPr>
+          <a:xfrm>
+            <a:off x="457200" y="1526776"/>
+            <a:ext cx="8229600" cy="3188497"/>
+          </a:xfrm>
+        </p:spPr>
+      </p:pic>
     </p:spTree>
     <p:extLst>
       <p:ext uri="{BB962C8B-B14F-4D97-AF65-F5344CB8AC3E}">
-        <p14:creationId xmlns:p14="http://schemas.microsoft.com/office/powerpoint/2010/main" val="1587735168"/>
+        <p14:creationId xmlns:p14="http://schemas.microsoft.com/office/powerpoint/2010/main" val="661002224"/>
       </p:ext>
     </p:extLst>
   </p:cSld>
@@ -4096,7 +4463,7 @@
           <a:p>
             <a:r>
               <a:rPr lang="en-US" dirty="0" smtClean="0"/>
-              <a:t>HTTP RESPONSE</a:t>
+              <a:t>HTTP Request</a:t>
             </a:r>
             <a:endParaRPr lang="en-US" dirty="0"/>
           </a:p>
@@ -4115,13 +4482,27 @@
         <p:spPr/>
         <p:txBody>
           <a:bodyPr>
-            <a:normAutofit/>
+            <a:normAutofit fontScale="92500" lnSpcReduction="20000"/>
           </a:bodyPr>
           <a:lstStyle/>
           <a:p>
             <a:r>
               <a:rPr lang="en-US" dirty="0" smtClean="0"/>
-              <a:t>HTTP request consist of the following elements:</a:t>
+              <a:t>HTTP request consist of three items separated by spaces:</a:t>
+            </a:r>
+          </a:p>
+          <a:p>
+            <a:pPr lvl="1"/>
+            <a:r>
+              <a:rPr lang="en-US" dirty="0" smtClean="0"/>
+              <a:t>HTTP Verb : Indicates the HTTP Method.</a:t>
+            </a:r>
+          </a:p>
+          <a:p>
+            <a:pPr lvl="1"/>
+            <a:r>
+              <a:rPr lang="en-US" dirty="0" smtClean="0"/>
+              <a:t>Requested URL : URL is the name of the resource being requested.</a:t>
             </a:r>
           </a:p>
           <a:p>
@@ -4135,36 +4516,36 @@
             <a:pPr lvl="1"/>
             <a:r>
               <a:rPr lang="en-US" dirty="0" smtClean="0"/>
-              <a:t>Status Code : A numeric value indicating the result of the request.</a:t>
-            </a:r>
-          </a:p>
-          <a:p>
-            <a:pPr lvl="1"/>
+              <a:t>HTTP Headers:</a:t>
+            </a:r>
+          </a:p>
+          <a:p>
+            <a:pPr lvl="2"/>
+            <a:r>
+              <a:rPr lang="en-US" dirty="0" err="1" smtClean="0"/>
+              <a:t>Referer</a:t>
+            </a:r>
+            <a:endParaRPr lang="en-US" dirty="0" smtClean="0"/>
+          </a:p>
+          <a:p>
+            <a:pPr lvl="2"/>
             <a:r>
               <a:rPr lang="en-US" dirty="0" smtClean="0"/>
-              <a:t>Server header.</a:t>
-            </a:r>
-          </a:p>
-          <a:p>
-            <a:pPr lvl="1"/>
+              <a:t>User-Agent</a:t>
+            </a:r>
+          </a:p>
+          <a:p>
+            <a:pPr lvl="2"/>
             <a:r>
               <a:rPr lang="en-US" dirty="0" smtClean="0"/>
-              <a:t>Set-Cookie</a:t>
-            </a:r>
-          </a:p>
-          <a:p>
-            <a:pPr lvl="1"/>
+              <a:t>Host</a:t>
+            </a:r>
+          </a:p>
+          <a:p>
+            <a:pPr lvl="2"/>
             <a:r>
               <a:rPr lang="en-US" dirty="0" smtClean="0"/>
-              <a:t>Content </a:t>
-            </a:r>
-            <a:r>
-              <a:rPr lang="en-US" dirty="0" err="1" smtClean="0"/>
-              <a:t>Lengh</a:t>
-            </a:r>
-            <a:r>
-              <a:rPr lang="en-US" dirty="0" smtClean="0"/>
-              <a:t>.</a:t>
+              <a:t>Cookies.</a:t>
             </a:r>
             <a:endParaRPr lang="en-US" dirty="0"/>
           </a:p>
@@ -4173,7 +4554,7 @@
     </p:spTree>
     <p:extLst>
       <p:ext uri="{BB962C8B-B14F-4D97-AF65-F5344CB8AC3E}">
-        <p14:creationId xmlns:p14="http://schemas.microsoft.com/office/powerpoint/2010/main" val="1468646262"/>
+        <p14:creationId xmlns:p14="http://schemas.microsoft.com/office/powerpoint/2010/main" val="1587735168"/>
       </p:ext>
     </p:extLst>
   </p:cSld>
@@ -4217,40 +4598,84 @@
           <a:p>
             <a:r>
               <a:rPr lang="en-US" dirty="0" smtClean="0"/>
-              <a:t>HTTP Methods</a:t>
+              <a:t>HTTP RESPONSE</a:t>
             </a:r>
             <a:endParaRPr lang="en-US" dirty="0"/>
           </a:p>
         </p:txBody>
       </p:sp>
-      <p:pic>
-        <p:nvPicPr>
-          <p:cNvPr id="2" name="Picture 1"/>
-          <p:cNvPicPr>
-            <a:picLocks noChangeAspect="1"/>
-          </p:cNvPicPr>
-          <p:nvPr/>
-        </p:nvPicPr>
-        <p:blipFill>
-          <a:blip r:embed="rId2"/>
-          <a:stretch>
-            <a:fillRect/>
-          </a:stretch>
-        </p:blipFill>
-        <p:spPr>
-          <a:xfrm>
-            <a:off x="1328737" y="1417638"/>
-            <a:ext cx="5972175" cy="4399432"/>
-          </a:xfrm>
-          <a:prstGeom prst="rect">
-            <a:avLst/>
-          </a:prstGeom>
-        </p:spPr>
-      </p:pic>
+      <p:sp>
+        <p:nvSpPr>
+          <p:cNvPr id="5" name="Content Placeholder 4"/>
+          <p:cNvSpPr>
+            <a:spLocks noGrp="1"/>
+          </p:cNvSpPr>
+          <p:nvPr>
+            <p:ph idx="1"/>
+          </p:nvPr>
+        </p:nvSpPr>
+        <p:spPr/>
+        <p:txBody>
+          <a:bodyPr>
+            <a:normAutofit/>
+          </a:bodyPr>
+          <a:lstStyle/>
+          <a:p>
+            <a:r>
+              <a:rPr lang="en-US" dirty="0" smtClean="0"/>
+              <a:t>HTTP request consist of the following elements:</a:t>
+            </a:r>
+          </a:p>
+          <a:p>
+            <a:pPr lvl="1"/>
+            <a:r>
+              <a:rPr lang="en-US" dirty="0" smtClean="0"/>
+              <a:t>HTTP version being used.</a:t>
+            </a:r>
+          </a:p>
+          <a:p>
+            <a:pPr lvl="1"/>
+            <a:r>
+              <a:rPr lang="en-US" dirty="0" smtClean="0"/>
+              <a:t>Status Code : A numeric value indicating the result of the request.</a:t>
+            </a:r>
+          </a:p>
+          <a:p>
+            <a:pPr lvl="1"/>
+            <a:r>
+              <a:rPr lang="en-US" dirty="0" smtClean="0"/>
+              <a:t>Server header.</a:t>
+            </a:r>
+          </a:p>
+          <a:p>
+            <a:pPr lvl="1"/>
+            <a:r>
+              <a:rPr lang="en-US" dirty="0" smtClean="0"/>
+              <a:t>Set-Cookie</a:t>
+            </a:r>
+          </a:p>
+          <a:p>
+            <a:pPr lvl="1"/>
+            <a:r>
+              <a:rPr lang="en-US" dirty="0" smtClean="0"/>
+              <a:t>Content </a:t>
+            </a:r>
+            <a:r>
+              <a:rPr lang="en-US" dirty="0" err="1" smtClean="0"/>
+              <a:t>Lengh</a:t>
+            </a:r>
+            <a:r>
+              <a:rPr lang="en-US" dirty="0" smtClean="0"/>
+              <a:t>.</a:t>
+            </a:r>
+            <a:endParaRPr lang="en-US" dirty="0"/>
+          </a:p>
+        </p:txBody>
+      </p:sp>
     </p:spTree>
     <p:extLst>
       <p:ext uri="{BB962C8B-B14F-4D97-AF65-F5344CB8AC3E}">
-        <p14:creationId xmlns:p14="http://schemas.microsoft.com/office/powerpoint/2010/main" val="1906515665"/>
+        <p14:creationId xmlns:p14="http://schemas.microsoft.com/office/powerpoint/2010/main" val="1468646262"/>
       </p:ext>
     </p:extLst>
   </p:cSld>
@@ -4294,7 +4719,7 @@
           <a:p>
             <a:r>
               <a:rPr lang="en-US" dirty="0" smtClean="0"/>
-              <a:t>HTTP Status Codes</a:t>
+              <a:t>HTTP Methods</a:t>
             </a:r>
             <a:endParaRPr lang="en-US" dirty="0"/>
           </a:p>
@@ -4302,28 +4727,22 @@
       </p:sp>
       <p:pic>
         <p:nvPicPr>
-          <p:cNvPr id="3" name="Picture 2"/>
+          <p:cNvPr id="2" name="Picture 1"/>
           <p:cNvPicPr>
             <a:picLocks noChangeAspect="1"/>
           </p:cNvPicPr>
           <p:nvPr/>
         </p:nvPicPr>
         <p:blipFill>
-          <a:blip r:embed="rId2">
-            <a:extLst>
-              <a:ext uri="{28A0092B-C50C-407E-A947-70E740481C1C}">
-                <a14:useLocalDpi xmlns:a14="http://schemas.microsoft.com/office/drawing/2010/main" val="0"/>
-              </a:ext>
-            </a:extLst>
-          </a:blip>
+          <a:blip r:embed="rId2"/>
           <a:stretch>
             <a:fillRect/>
           </a:stretch>
         </p:blipFill>
         <p:spPr>
           <a:xfrm>
-            <a:off x="0" y="2324100"/>
-            <a:ext cx="9144000" cy="2203260"/>
+            <a:off x="1328737" y="1417638"/>
+            <a:ext cx="5972175" cy="4399432"/>
           </a:xfrm>
           <a:prstGeom prst="rect">
             <a:avLst/>
@@ -4333,7 +4752,7 @@
     </p:spTree>
     <p:extLst>
       <p:ext uri="{BB962C8B-B14F-4D97-AF65-F5344CB8AC3E}">
-        <p14:creationId xmlns:p14="http://schemas.microsoft.com/office/powerpoint/2010/main" val="572030903"/>
+        <p14:creationId xmlns:p14="http://schemas.microsoft.com/office/powerpoint/2010/main" val="1906515665"/>
       </p:ext>
     </p:extLst>
   </p:cSld>
